--- a/slide/25_review.pptx
+++ b/slide/25_review.pptx
@@ -116,7 +116,18 @@
   </p:defaultTextStyle>
   <p:extLst>
     <p:ext uri="{EFAFB233-063F-42B5-8137-9DF3F51BA10A}">
-      <p15:sldGuideLst xmlns="" xmlns:p15="http://schemas.microsoft.com/office/powerpoint/2012/main"/>
+      <p15:sldGuideLst xmlns:p15="http://schemas.microsoft.com/office/powerpoint/2012/main">
+        <p15:guide id="1" orient="horz" pos="2160">
+          <p15:clr>
+            <a:srgbClr val="A4A3A4"/>
+          </p15:clr>
+        </p15:guide>
+        <p15:guide id="2" pos="3840">
+          <p15:clr>
+            <a:srgbClr val="A4A3A4"/>
+          </p15:clr>
+        </p15:guide>
+      </p15:sldGuideLst>
     </p:ext>
   </p:extLst>
 </p:presentation>
@@ -204,7 +215,7 @@
           <a:p>
             <a:fld id="{ADEAD795-B60A-4277-8970-45E91D1547AB}" type="datetimeFigureOut">
               <a:rPr lang="en-GB" smtClean="0"/>
-              <a:t>03/04/2023</a:t>
+              <a:t>04/05/2023</a:t>
             </a:fld>
             <a:endParaRPr lang="en-GB"/>
           </a:p>
@@ -603,7 +614,7 @@
           <a:p>
             <a:fld id="{B719C077-955B-457C-9838-285F024AEC93}" type="datetimeFigureOut">
               <a:rPr lang="en-GB" smtClean="0"/>
-              <a:t>03/04/2023</a:t>
+              <a:t>04/05/2023</a:t>
             </a:fld>
             <a:endParaRPr lang="en-GB"/>
           </a:p>
@@ -773,7 +784,7 @@
           <a:p>
             <a:fld id="{B719C077-955B-457C-9838-285F024AEC93}" type="datetimeFigureOut">
               <a:rPr lang="en-GB" smtClean="0"/>
-              <a:t>03/04/2023</a:t>
+              <a:t>04/05/2023</a:t>
             </a:fld>
             <a:endParaRPr lang="en-GB"/>
           </a:p>
@@ -953,7 +964,7 @@
           <a:p>
             <a:fld id="{B719C077-955B-457C-9838-285F024AEC93}" type="datetimeFigureOut">
               <a:rPr lang="en-GB" smtClean="0"/>
-              <a:t>03/04/2023</a:t>
+              <a:t>04/05/2023</a:t>
             </a:fld>
             <a:endParaRPr lang="en-GB"/>
           </a:p>
@@ -1123,7 +1134,7 @@
           <a:p>
             <a:fld id="{B719C077-955B-457C-9838-285F024AEC93}" type="datetimeFigureOut">
               <a:rPr lang="en-GB" smtClean="0"/>
-              <a:t>03/04/2023</a:t>
+              <a:t>04/05/2023</a:t>
             </a:fld>
             <a:endParaRPr lang="en-GB"/>
           </a:p>
@@ -1369,7 +1380,7 @@
           <a:p>
             <a:fld id="{B719C077-955B-457C-9838-285F024AEC93}" type="datetimeFigureOut">
               <a:rPr lang="en-GB" smtClean="0"/>
-              <a:t>03/04/2023</a:t>
+              <a:t>04/05/2023</a:t>
             </a:fld>
             <a:endParaRPr lang="en-GB"/>
           </a:p>
@@ -1601,7 +1612,7 @@
           <a:p>
             <a:fld id="{B719C077-955B-457C-9838-285F024AEC93}" type="datetimeFigureOut">
               <a:rPr lang="en-GB" smtClean="0"/>
-              <a:t>03/04/2023</a:t>
+              <a:t>04/05/2023</a:t>
             </a:fld>
             <a:endParaRPr lang="en-GB"/>
           </a:p>
@@ -1968,7 +1979,7 @@
           <a:p>
             <a:fld id="{B719C077-955B-457C-9838-285F024AEC93}" type="datetimeFigureOut">
               <a:rPr lang="en-GB" smtClean="0"/>
-              <a:t>03/04/2023</a:t>
+              <a:t>04/05/2023</a:t>
             </a:fld>
             <a:endParaRPr lang="en-GB"/>
           </a:p>
@@ -2086,7 +2097,7 @@
           <a:p>
             <a:fld id="{B719C077-955B-457C-9838-285F024AEC93}" type="datetimeFigureOut">
               <a:rPr lang="en-GB" smtClean="0"/>
-              <a:t>03/04/2023</a:t>
+              <a:t>04/05/2023</a:t>
             </a:fld>
             <a:endParaRPr lang="en-GB"/>
           </a:p>
@@ -2181,7 +2192,7 @@
           <a:p>
             <a:fld id="{B719C077-955B-457C-9838-285F024AEC93}" type="datetimeFigureOut">
               <a:rPr lang="en-GB" smtClean="0"/>
-              <a:t>03/04/2023</a:t>
+              <a:t>04/05/2023</a:t>
             </a:fld>
             <a:endParaRPr lang="en-GB"/>
           </a:p>
@@ -2458,7 +2469,7 @@
           <a:p>
             <a:fld id="{B719C077-955B-457C-9838-285F024AEC93}" type="datetimeFigureOut">
               <a:rPr lang="en-GB" smtClean="0"/>
-              <a:t>03/04/2023</a:t>
+              <a:t>04/05/2023</a:t>
             </a:fld>
             <a:endParaRPr lang="en-GB"/>
           </a:p>
@@ -2711,7 +2722,7 @@
           <a:p>
             <a:fld id="{B719C077-955B-457C-9838-285F024AEC93}" type="datetimeFigureOut">
               <a:rPr lang="en-GB" smtClean="0"/>
-              <a:t>03/04/2023</a:t>
+              <a:t>04/05/2023</a:t>
             </a:fld>
             <a:endParaRPr lang="en-GB"/>
           </a:p>
@@ -2924,7 +2935,7 @@
           <a:p>
             <a:fld id="{B719C077-955B-457C-9838-285F024AEC93}" type="datetimeFigureOut">
               <a:rPr lang="en-GB" smtClean="0"/>
-              <a:t>03/04/2023</a:t>
+              <a:t>04/05/2023</a:t>
             </a:fld>
             <a:endParaRPr lang="en-GB"/>
           </a:p>
@@ -3369,10 +3380,9 @@
           <a:lstStyle/>
           <a:p>
             <a:r>
-              <a:rPr lang="en-GB" dirty="0" smtClean="0"/>
+              <a:rPr lang="en-GB" dirty="0"/>
               <a:t>Review</a:t>
             </a:r>
-            <a:endParaRPr lang="en-GB" dirty="0"/>
           </a:p>
         </p:txBody>
       </p:sp>
@@ -3411,7 +3421,7 @@
           <p:cNvPr id="2" name="标题 1">
             <a:extLst>
               <a:ext uri="{FF2B5EF4-FFF2-40B4-BE49-F238E27FC236}">
-                <a16:creationId xmlns="" xmlns:a16="http://schemas.microsoft.com/office/drawing/2014/main" id="{4AC66AEF-CAA4-4729-8B45-AED5C3A8A1C4}"/>
+                <a16:creationId xmlns:a16="http://schemas.microsoft.com/office/drawing/2014/main" id="{4AC66AEF-CAA4-4729-8B45-AED5C3A8A1C4}"/>
               </a:ext>
             </a:extLst>
           </p:cNvPr>
@@ -3440,7 +3450,7 @@
           <p:cNvPr id="3" name="内容占位符 2">
             <a:extLst>
               <a:ext uri="{FF2B5EF4-FFF2-40B4-BE49-F238E27FC236}">
-                <a16:creationId xmlns="" xmlns:a16="http://schemas.microsoft.com/office/drawing/2014/main" id="{910B1913-10D7-4D3E-B9E3-0E97C0FE2F50}"/>
+                <a16:creationId xmlns:a16="http://schemas.microsoft.com/office/drawing/2014/main" id="{910B1913-10D7-4D3E-B9E3-0E97C0FE2F50}"/>
               </a:ext>
             </a:extLst>
           </p:cNvPr>
@@ -3534,7 +3544,7 @@
           <p:cNvPr id="4" name="页脚占位符 3">
             <a:extLst>
               <a:ext uri="{FF2B5EF4-FFF2-40B4-BE49-F238E27FC236}">
-                <a16:creationId xmlns="" xmlns:a16="http://schemas.microsoft.com/office/drawing/2014/main" id="{6F01861F-3A27-426C-918C-445A2783608B}"/>
+                <a16:creationId xmlns:a16="http://schemas.microsoft.com/office/drawing/2014/main" id="{6F01861F-3A27-426C-918C-445A2783608B}"/>
               </a:ext>
             </a:extLst>
           </p:cNvPr>
@@ -3850,7 +3860,7 @@
           <p:cNvPr id="2" name="标题 1">
             <a:extLst>
               <a:ext uri="{FF2B5EF4-FFF2-40B4-BE49-F238E27FC236}">
-                <a16:creationId xmlns="" xmlns:a16="http://schemas.microsoft.com/office/drawing/2014/main" id="{4AC66AEF-CAA4-4729-8B45-AED5C3A8A1C4}"/>
+                <a16:creationId xmlns:a16="http://schemas.microsoft.com/office/drawing/2014/main" id="{4AC66AEF-CAA4-4729-8B45-AED5C3A8A1C4}"/>
               </a:ext>
             </a:extLst>
           </p:cNvPr>
@@ -3879,7 +3889,7 @@
           <p:cNvPr id="3" name="内容占位符 2">
             <a:extLst>
               <a:ext uri="{FF2B5EF4-FFF2-40B4-BE49-F238E27FC236}">
-                <a16:creationId xmlns="" xmlns:a16="http://schemas.microsoft.com/office/drawing/2014/main" id="{910B1913-10D7-4D3E-B9E3-0E97C0FE2F50}"/>
+                <a16:creationId xmlns:a16="http://schemas.microsoft.com/office/drawing/2014/main" id="{910B1913-10D7-4D3E-B9E3-0E97C0FE2F50}"/>
               </a:ext>
             </a:extLst>
           </p:cNvPr>
@@ -3909,15 +3919,12 @@
           <a:p>
             <a:pPr lvl="1"/>
             <a:r>
+              <a:rPr lang="en-US" altLang="zh-CN" sz="2800"/>
+              <a:t>Architecture </a:t>
+            </a:r>
+            <a:r>
               <a:rPr lang="en-US" altLang="zh-CN" sz="2800" dirty="0"/>
-              <a:t>Architecture in agile project: architecture and agility</a:t>
-            </a:r>
-          </a:p>
-          <a:p>
-            <a:pPr lvl="1"/>
-            <a:r>
-              <a:rPr lang="en-US" altLang="zh-CN" sz="2800" dirty="0"/>
-              <a:t>Architecture and requirement: approaches to gather ASR, utility tree</a:t>
+              <a:t>and requirement: approaches to gather ASR, utility tree</a:t>
             </a:r>
           </a:p>
           <a:p>
@@ -3961,7 +3968,7 @@
           <p:cNvPr id="4" name="页脚占位符 3">
             <a:extLst>
               <a:ext uri="{FF2B5EF4-FFF2-40B4-BE49-F238E27FC236}">
-                <a16:creationId xmlns="" xmlns:a16="http://schemas.microsoft.com/office/drawing/2014/main" id="{6F01861F-3A27-426C-918C-445A2783608B}"/>
+                <a16:creationId xmlns:a16="http://schemas.microsoft.com/office/drawing/2014/main" id="{6F01861F-3A27-426C-918C-445A2783608B}"/>
               </a:ext>
             </a:extLst>
           </p:cNvPr>
@@ -4242,33 +4249,15 @@
                                   </p:childTnLst>
                                 </p:cTn>
                               </p:par>
-                            </p:childTnLst>
-                          </p:cTn>
-                        </p:par>
-                      </p:childTnLst>
-                    </p:cTn>
-                  </p:par>
-                  <p:par>
-                    <p:cTn id="23" fill="hold">
-                      <p:stCondLst>
-                        <p:cond delay="indefinite"/>
-                      </p:stCondLst>
-                      <p:childTnLst>
-                        <p:par>
-                          <p:cTn id="24" fill="hold">
-                            <p:stCondLst>
-                              <p:cond delay="0"/>
-                            </p:stCondLst>
-                            <p:childTnLst>
                               <p:par>
-                                <p:cTn id="25" presetID="1" presetClass="entr" presetSubtype="0" fill="hold" nodeType="clickEffect">
+                                <p:cTn id="23" presetID="1" presetClass="entr" presetSubtype="0" fill="hold" nodeType="withEffect">
                                   <p:stCondLst>
                                     <p:cond delay="0"/>
                                   </p:stCondLst>
                                   <p:childTnLst>
                                     <p:set>
                                       <p:cBhvr>
-                                        <p:cTn id="26" dur="1" fill="hold">
+                                        <p:cTn id="24" dur="1" fill="hold">
                                           <p:stCondLst>
                                             <p:cond delay="0"/>
                                           </p:stCondLst>
@@ -4277,37 +4266,6 @@
                                           <p:spTgt spid="3">
                                             <p:txEl>
                                               <p:pRg st="6" end="6"/>
-                                            </p:txEl>
-                                          </p:spTgt>
-                                        </p:tgtEl>
-                                        <p:attrNameLst>
-                                          <p:attrName>style.visibility</p:attrName>
-                                        </p:attrNameLst>
-                                      </p:cBhvr>
-                                      <p:to>
-                                        <p:strVal val="visible"/>
-                                      </p:to>
-                                    </p:set>
-                                  </p:childTnLst>
-                                </p:cTn>
-                              </p:par>
-                              <p:par>
-                                <p:cTn id="27" presetID="1" presetClass="entr" presetSubtype="0" fill="hold" nodeType="withEffect">
-                                  <p:stCondLst>
-                                    <p:cond delay="0"/>
-                                  </p:stCondLst>
-                                  <p:childTnLst>
-                                    <p:set>
-                                      <p:cBhvr>
-                                        <p:cTn id="28" dur="1" fill="hold">
-                                          <p:stCondLst>
-                                            <p:cond delay="0"/>
-                                          </p:stCondLst>
-                                        </p:cTn>
-                                        <p:tgtEl>
-                                          <p:spTgt spid="3">
-                                            <p:txEl>
-                                              <p:pRg st="7" end="7"/>
                                             </p:txEl>
                                           </p:spTgt>
                                         </p:tgtEl>
@@ -5120,7 +5078,7 @@
   <a:extraClrSchemeLst/>
   <a:extLst>
     <a:ext uri="{05A4C25C-085E-4340-85A3-A5531E510DB2}">
-      <thm15:themeFamily xmlns="" xmlns:thm15="http://schemas.microsoft.com/office/thememl/2012/main" name="Office Theme" id="{62F939B6-93AF-4DB8-9C6B-D6C7DFDC589F}" vid="{4A3C46E8-61CC-4603-A589-7422A47A8E4A}"/>
+      <thm15:themeFamily xmlns:thm15="http://schemas.microsoft.com/office/thememl/2012/main" name="Office Theme" id="{62F939B6-93AF-4DB8-9C6B-D6C7DFDC589F}" vid="{4A3C46E8-61CC-4603-A589-7422A47A8E4A}"/>
     </a:ext>
   </a:extLst>
 </a:theme>
@@ -5381,7 +5339,7 @@
   <a:extraClrSchemeLst/>
   <a:extLst>
     <a:ext uri="{05A4C25C-085E-4340-85A3-A5531E510DB2}">
-      <thm15:themeFamily xmlns="" xmlns:thm15="http://schemas.microsoft.com/office/thememl/2012/main" name="Office Theme" id="{62F939B6-93AF-4DB8-9C6B-D6C7DFDC589F}" vid="{4A3C46E8-61CC-4603-A589-7422A47A8E4A}"/>
+      <thm15:themeFamily xmlns:thm15="http://schemas.microsoft.com/office/thememl/2012/main" name="Office Theme" id="{62F939B6-93AF-4DB8-9C6B-D6C7DFDC589F}" vid="{4A3C46E8-61CC-4603-A589-7422A47A8E4A}"/>
     </a:ext>
   </a:extLst>
 </a:theme>
